--- a/wpfEx01/wpfEx01/result_v1.5_250917/result_v1.5_250917.pptx
+++ b/wpfEx01/wpfEx01/result_v1.5_250917/result_v1.5_250917.pptx
@@ -3792,7 +3792,6 @@
           <a:bodyPr/>
           <a:lstStyle/>
           <a:p>
-            <a:pPr algn="l"/>
             <a:r>
               <a:rPr lang="ko-KR" altLang="en-US" dirty="0">
                 <a:latin typeface="나눔스퀘어" panose="020B0600000101010101" pitchFamily="50" charset="-127"/>
@@ -3925,8 +3924,12 @@
           <a:lstStyle/>
           <a:p>
             <a:r>
+              <a:rPr lang="ko-KR" altLang="en-US" dirty="0"/>
+              <a:t>원본 영상의 히스토그램 기반 </a:t>
+            </a:r>
+            <a:r>
               <a:rPr lang="en-US" altLang="ko-KR" dirty="0"/>
-              <a:t>Structure</a:t>
+              <a:t>LUT Curve</a:t>
             </a:r>
             <a:endParaRPr lang="ko-KR" altLang="en-US" dirty="0"/>
           </a:p>
@@ -3961,518 +3964,127 @@
           </a:p>
         </p:txBody>
       </p:sp>
-      <p:sp>
-        <p:nvSpPr>
-          <p:cNvPr id="37" name="TextBox 36">
-            <a:extLst>
-              <a:ext uri="{FF2B5EF4-FFF2-40B4-BE49-F238E27FC236}">
-                <a16:creationId xmlns:a16="http://schemas.microsoft.com/office/drawing/2014/main" id="{5F297785-B4B7-7040-8E93-BE9E1217E81B}"/>
-              </a:ext>
-            </a:extLst>
-          </p:cNvPr>
-          <p:cNvSpPr txBox="1"/>
+      <p:pic>
+        <p:nvPicPr>
+          <p:cNvPr id="63" name="그림 62" descr="텍스트, 스크린샷이(가) 표시된 사진&#10;&#10;AI 생성 콘텐츠는 정확하지 않을 수 있습니다.">
+            <a:extLst>
+              <a:ext uri="{FF2B5EF4-FFF2-40B4-BE49-F238E27FC236}">
+                <a16:creationId xmlns:a16="http://schemas.microsoft.com/office/drawing/2014/main" id="{28B84AAF-877E-B8A6-4659-ACC0C7CCBD81}"/>
+              </a:ext>
+            </a:extLst>
+          </p:cNvPr>
+          <p:cNvPicPr>
+            <a:picLocks noChangeAspect="1"/>
+          </p:cNvPicPr>
           <p:nvPr/>
-        </p:nvSpPr>
+        </p:nvPicPr>
+        <p:blipFill>
+          <a:blip r:embed="rId2">
+            <a:extLst>
+              <a:ext uri="{28A0092B-C50C-407E-A947-70E740481C1C}">
+                <a14:useLocalDpi xmlns:a14="http://schemas.microsoft.com/office/drawing/2010/main" val="0"/>
+              </a:ext>
+            </a:extLst>
+          </a:blip>
+          <a:stretch>
+            <a:fillRect/>
+          </a:stretch>
+        </p:blipFill>
         <p:spPr>
           <a:xfrm>
-            <a:off x="1005759" y="3096362"/>
-            <a:ext cx="1080000" cy="360000"/>
+            <a:off x="838200" y="1555916"/>
+            <a:ext cx="6108899" cy="4513797"/>
           </a:xfrm>
           <a:prstGeom prst="rect">
             <a:avLst/>
           </a:prstGeom>
         </p:spPr>
-        <p:style>
-          <a:lnRef idx="2">
-            <a:schemeClr val="dk1"/>
-          </a:lnRef>
-          <a:fillRef idx="1">
-            <a:schemeClr val="lt1"/>
-          </a:fillRef>
-          <a:effectRef idx="0">
-            <a:schemeClr val="dk1"/>
-          </a:effectRef>
-          <a:fontRef idx="minor">
-            <a:schemeClr val="dk1"/>
-          </a:fontRef>
-        </p:style>
-        <p:txBody>
-          <a:bodyPr wrap="square" rtlCol="0" anchor="ctr">
-            <a:spAutoFit/>
-          </a:bodyPr>
-          <a:lstStyle/>
-          <a:p>
-            <a:pPr algn="ctr"/>
-            <a:r>
-              <a:rPr lang="en-US" altLang="ko-KR" sz="1100" b="1" dirty="0" err="1">
-                <a:latin typeface="나눔스퀘어 ExtraBold" panose="020B0600000101010101" pitchFamily="50" charset="-127"/>
-                <a:ea typeface="나눔스퀘어 ExtraBold" panose="020B0600000101010101" pitchFamily="50" charset="-127"/>
-              </a:rPr>
-              <a:t>MainWindow</a:t>
-            </a:r>
-            <a:endParaRPr lang="ko-KR" altLang="en-US" sz="1100" b="1" dirty="0">
-              <a:latin typeface="나눔스퀘어 ExtraBold" panose="020B0600000101010101" pitchFamily="50" charset="-127"/>
-              <a:ea typeface="나눔스퀘어 ExtraBold" panose="020B0600000101010101" pitchFamily="50" charset="-127"/>
-            </a:endParaRPr>
-          </a:p>
-        </p:txBody>
-      </p:sp>
-      <p:sp>
-        <p:nvSpPr>
-          <p:cNvPr id="38" name="TextBox 37">
-            <a:extLst>
-              <a:ext uri="{FF2B5EF4-FFF2-40B4-BE49-F238E27FC236}">
-                <a16:creationId xmlns:a16="http://schemas.microsoft.com/office/drawing/2014/main" id="{16A217F4-E3C5-24C7-23C7-726BB36B1266}"/>
-              </a:ext>
-            </a:extLst>
-          </p:cNvPr>
-          <p:cNvSpPr txBox="1"/>
+      </p:pic>
+      <p:pic>
+        <p:nvPicPr>
+          <p:cNvPr id="65" name="그림 64" descr="스크린샷, 컴퓨터, 소프트웨어, 멀티미디어 소프트웨어이(가) 표시된 사진&#10;&#10;AI 생성 콘텐츠는 정확하지 않을 수 있습니다.">
+            <a:extLst>
+              <a:ext uri="{FF2B5EF4-FFF2-40B4-BE49-F238E27FC236}">
+                <a16:creationId xmlns:a16="http://schemas.microsoft.com/office/drawing/2014/main" id="{92905ACC-D078-C0F0-4921-8B24B79F8A3E}"/>
+              </a:ext>
+            </a:extLst>
+          </p:cNvPr>
+          <p:cNvPicPr>
+            <a:picLocks noChangeAspect="1"/>
+          </p:cNvPicPr>
           <p:nvPr/>
-        </p:nvSpPr>
+        </p:nvPicPr>
+        <p:blipFill>
+          <a:blip r:embed="rId3">
+            <a:extLst>
+              <a:ext uri="{28A0092B-C50C-407E-A947-70E740481C1C}">
+                <a14:useLocalDpi xmlns:a14="http://schemas.microsoft.com/office/drawing/2010/main" val="0"/>
+              </a:ext>
+            </a:extLst>
+          </a:blip>
+          <a:stretch>
+            <a:fillRect/>
+          </a:stretch>
+        </p:blipFill>
         <p:spPr>
           <a:xfrm>
-            <a:off x="2412466" y="3096362"/>
-            <a:ext cx="1080000" cy="360000"/>
+            <a:off x="7513913" y="1981568"/>
+            <a:ext cx="3839887" cy="3381505"/>
           </a:xfrm>
           <a:prstGeom prst="rect">
             <a:avLst/>
           </a:prstGeom>
         </p:spPr>
-        <p:style>
-          <a:lnRef idx="2">
-            <a:schemeClr val="dk1"/>
-          </a:lnRef>
-          <a:fillRef idx="1">
-            <a:schemeClr val="lt1"/>
-          </a:fillRef>
-          <a:effectRef idx="0">
-            <a:schemeClr val="dk1"/>
-          </a:effectRef>
-          <a:fontRef idx="minor">
-            <a:schemeClr val="dk1"/>
-          </a:fontRef>
-        </p:style>
-        <p:txBody>
-          <a:bodyPr wrap="square" rtlCol="0" anchor="ctr">
-            <a:spAutoFit/>
-          </a:bodyPr>
-          <a:lstStyle/>
-          <a:p>
-            <a:pPr algn="ctr"/>
-            <a:r>
-              <a:rPr lang="en-US" altLang="ko-KR" sz="1050" b="1" dirty="0" err="1">
-                <a:latin typeface="나눔스퀘어" panose="020B0600000101010101" pitchFamily="50" charset="-127"/>
-                <a:ea typeface="나눔스퀘어" panose="020B0600000101010101" pitchFamily="50" charset="-127"/>
-              </a:rPr>
-              <a:t>btnLoad</a:t>
-            </a:r>
-            <a:endParaRPr lang="ko-KR" altLang="en-US" sz="1050" b="1" dirty="0">
-              <a:latin typeface="나눔스퀘어" panose="020B0600000101010101" pitchFamily="50" charset="-127"/>
-              <a:ea typeface="나눔스퀘어" panose="020B0600000101010101" pitchFamily="50" charset="-127"/>
-            </a:endParaRPr>
-          </a:p>
-        </p:txBody>
-      </p:sp>
-      <p:sp>
-        <p:nvSpPr>
-          <p:cNvPr id="39" name="TextBox 38">
-            <a:extLst>
-              <a:ext uri="{FF2B5EF4-FFF2-40B4-BE49-F238E27FC236}">
-                <a16:creationId xmlns:a16="http://schemas.microsoft.com/office/drawing/2014/main" id="{71B921FC-907C-FE94-2E56-28CFBC89051D}"/>
-              </a:ext>
-            </a:extLst>
-          </p:cNvPr>
-          <p:cNvSpPr txBox="1"/>
+      </p:pic>
+      <p:sp>
+        <p:nvSpPr>
+          <p:cNvPr id="66" name="직사각형 65">
+            <a:extLst>
+              <a:ext uri="{FF2B5EF4-FFF2-40B4-BE49-F238E27FC236}">
+                <a16:creationId xmlns:a16="http://schemas.microsoft.com/office/drawing/2014/main" id="{79473AD8-8AEA-43A6-9B18-D4ABCC029E9B}"/>
+              </a:ext>
+            </a:extLst>
+          </p:cNvPr>
+          <p:cNvSpPr/>
           <p:nvPr/>
         </p:nvSpPr>
         <p:spPr>
           <a:xfrm>
-            <a:off x="4468270" y="2448014"/>
-            <a:ext cx="1080000" cy="360000"/>
+            <a:off x="1216008" y="3590576"/>
+            <a:ext cx="1867100" cy="1445805"/>
           </a:xfrm>
           <a:prstGeom prst="rect">
             <a:avLst/>
           </a:prstGeom>
+          <a:noFill/>
+          <a:ln w="28575">
+            <a:solidFill>
+              <a:srgbClr val="FF0000"/>
+            </a:solidFill>
+          </a:ln>
         </p:spPr>
         <p:style>
           <a:lnRef idx="2">
-            <a:schemeClr val="dk1"/>
+            <a:schemeClr val="accent1">
+              <a:shade val="15000"/>
+            </a:schemeClr>
           </a:lnRef>
           <a:fillRef idx="1">
-            <a:schemeClr val="lt1"/>
+            <a:schemeClr val="accent1"/>
           </a:fillRef>
           <a:effectRef idx="0">
-            <a:schemeClr val="dk1"/>
+            <a:schemeClr val="accent1"/>
           </a:effectRef>
           <a:fontRef idx="minor">
-            <a:schemeClr val="dk1"/>
+            <a:schemeClr val="lt1"/>
           </a:fontRef>
         </p:style>
         <p:txBody>
-          <a:bodyPr wrap="square" rtlCol="0" anchor="ctr">
-            <a:spAutoFit/>
-          </a:bodyPr>
+          <a:bodyPr rtlCol="0" anchor="ctr"/>
           <a:lstStyle/>
           <a:p>
             <a:pPr algn="ctr"/>
-            <a:r>
-              <a:rPr lang="en-US" altLang="ko-KR" sz="1050" b="1" dirty="0" err="1">
-                <a:latin typeface="나눔스퀘어" panose="020B0600000101010101" pitchFamily="50" charset="-127"/>
-                <a:ea typeface="나눔스퀘어" panose="020B0600000101010101" pitchFamily="50" charset="-127"/>
-              </a:rPr>
-              <a:t>btnContrast</a:t>
-            </a:r>
-            <a:endParaRPr lang="ko-KR" altLang="en-US" sz="1050" b="1" dirty="0">
-              <a:latin typeface="나눔스퀘어" panose="020B0600000101010101" pitchFamily="50" charset="-127"/>
-              <a:ea typeface="나눔스퀘어" panose="020B0600000101010101" pitchFamily="50" charset="-127"/>
-            </a:endParaRPr>
-          </a:p>
-        </p:txBody>
-      </p:sp>
-      <p:sp>
-        <p:nvSpPr>
-          <p:cNvPr id="40" name="TextBox 39">
-            <a:extLst>
-              <a:ext uri="{FF2B5EF4-FFF2-40B4-BE49-F238E27FC236}">
-                <a16:creationId xmlns:a16="http://schemas.microsoft.com/office/drawing/2014/main" id="{C8889DDA-BA7C-4960-3A16-09B2EF9BBEDC}"/>
-              </a:ext>
-            </a:extLst>
-          </p:cNvPr>
-          <p:cNvSpPr txBox="1"/>
-          <p:nvPr/>
-        </p:nvSpPr>
-        <p:spPr>
-          <a:xfrm>
-            <a:off x="4468270" y="3751751"/>
-            <a:ext cx="1080000" cy="360000"/>
-          </a:xfrm>
-          <a:prstGeom prst="rect">
-            <a:avLst/>
-          </a:prstGeom>
-        </p:spPr>
-        <p:style>
-          <a:lnRef idx="2">
-            <a:schemeClr val="dk1"/>
-          </a:lnRef>
-          <a:fillRef idx="1">
-            <a:schemeClr val="lt1"/>
-          </a:fillRef>
-          <a:effectRef idx="0">
-            <a:schemeClr val="dk1"/>
-          </a:effectRef>
-          <a:fontRef idx="minor">
-            <a:schemeClr val="dk1"/>
-          </a:fontRef>
-        </p:style>
-        <p:txBody>
-          <a:bodyPr wrap="square" rtlCol="0" anchor="ctr">
-            <a:spAutoFit/>
-          </a:bodyPr>
-          <a:lstStyle/>
-          <a:p>
-            <a:pPr algn="ctr"/>
-            <a:r>
-              <a:rPr lang="en-US" altLang="ko-KR" sz="1050" b="1" dirty="0" err="1">
-                <a:latin typeface="나눔스퀘어" panose="020B0600000101010101" pitchFamily="50" charset="-127"/>
-                <a:ea typeface="나눔스퀘어" panose="020B0600000101010101" pitchFamily="50" charset="-127"/>
-              </a:rPr>
-              <a:t>btnBrightness</a:t>
-            </a:r>
-            <a:endParaRPr lang="ko-KR" altLang="en-US" sz="1050" b="1" dirty="0">
-              <a:latin typeface="나눔스퀘어" panose="020B0600000101010101" pitchFamily="50" charset="-127"/>
-              <a:ea typeface="나눔스퀘어" panose="020B0600000101010101" pitchFamily="50" charset="-127"/>
-            </a:endParaRPr>
-          </a:p>
-        </p:txBody>
-      </p:sp>
-      <p:cxnSp>
-        <p:nvCxnSpPr>
-          <p:cNvPr id="43" name="직선 연결선 42">
-            <a:extLst>
-              <a:ext uri="{FF2B5EF4-FFF2-40B4-BE49-F238E27FC236}">
-                <a16:creationId xmlns:a16="http://schemas.microsoft.com/office/drawing/2014/main" id="{E6EE3401-2006-8072-370C-FBC0089CD52B}"/>
-              </a:ext>
-            </a:extLst>
-          </p:cNvPr>
-          <p:cNvCxnSpPr>
-            <a:stCxn id="37" idx="3"/>
-            <a:endCxn id="38" idx="1"/>
-          </p:cNvCxnSpPr>
-          <p:nvPr/>
-        </p:nvCxnSpPr>
-        <p:spPr>
-          <a:xfrm>
-            <a:off x="2085759" y="3276362"/>
-            <a:ext cx="326707" cy="0"/>
-          </a:xfrm>
-          <a:prstGeom prst="line">
-            <a:avLst/>
-          </a:prstGeom>
-        </p:spPr>
-        <p:style>
-          <a:lnRef idx="2">
-            <a:schemeClr val="dk1"/>
-          </a:lnRef>
-          <a:fillRef idx="0">
-            <a:schemeClr val="dk1"/>
-          </a:fillRef>
-          <a:effectRef idx="1">
-            <a:schemeClr val="dk1"/>
-          </a:effectRef>
-          <a:fontRef idx="minor">
-            <a:schemeClr val="tx1"/>
-          </a:fontRef>
-        </p:style>
-      </p:cxnSp>
-      <p:cxnSp>
-        <p:nvCxnSpPr>
-          <p:cNvPr id="45" name="연결선: 꺾임 44">
-            <a:extLst>
-              <a:ext uri="{FF2B5EF4-FFF2-40B4-BE49-F238E27FC236}">
-                <a16:creationId xmlns:a16="http://schemas.microsoft.com/office/drawing/2014/main" id="{F59FED50-A3DC-98E5-7271-E388E0767DD2}"/>
-              </a:ext>
-            </a:extLst>
-          </p:cNvPr>
-          <p:cNvCxnSpPr>
-            <a:cxnSpLocks/>
-            <a:stCxn id="38" idx="3"/>
-            <a:endCxn id="39" idx="1"/>
-          </p:cNvCxnSpPr>
-          <p:nvPr/>
-        </p:nvCxnSpPr>
-        <p:spPr>
-          <a:xfrm flipV="1">
-            <a:off x="3492466" y="2628014"/>
-            <a:ext cx="975804" cy="648348"/>
-          </a:xfrm>
-          <a:prstGeom prst="bentConnector3">
-            <a:avLst>
-              <a:gd name="adj1" fmla="val 50000"/>
-            </a:avLst>
-          </a:prstGeom>
-        </p:spPr>
-        <p:style>
-          <a:lnRef idx="2">
-            <a:schemeClr val="dk1"/>
-          </a:lnRef>
-          <a:fillRef idx="0">
-            <a:schemeClr val="dk1"/>
-          </a:fillRef>
-          <a:effectRef idx="1">
-            <a:schemeClr val="dk1"/>
-          </a:effectRef>
-          <a:fontRef idx="minor">
-            <a:schemeClr val="tx1"/>
-          </a:fontRef>
-        </p:style>
-      </p:cxnSp>
-      <p:cxnSp>
-        <p:nvCxnSpPr>
-          <p:cNvPr id="47" name="연결선: 꺾임 46">
-            <a:extLst>
-              <a:ext uri="{FF2B5EF4-FFF2-40B4-BE49-F238E27FC236}">
-                <a16:creationId xmlns:a16="http://schemas.microsoft.com/office/drawing/2014/main" id="{B0E834A1-D233-BA01-912B-E2C9E6E06FC5}"/>
-              </a:ext>
-            </a:extLst>
-          </p:cNvPr>
-          <p:cNvCxnSpPr>
-            <a:cxnSpLocks/>
-            <a:stCxn id="38" idx="3"/>
-            <a:endCxn id="40" idx="1"/>
-          </p:cNvCxnSpPr>
-          <p:nvPr/>
-        </p:nvCxnSpPr>
-        <p:spPr>
-          <a:xfrm>
-            <a:off x="3492466" y="3276362"/>
-            <a:ext cx="975804" cy="655389"/>
-          </a:xfrm>
-          <a:prstGeom prst="bentConnector3">
-            <a:avLst>
-              <a:gd name="adj1" fmla="val 50000"/>
-            </a:avLst>
-          </a:prstGeom>
-        </p:spPr>
-        <p:style>
-          <a:lnRef idx="2">
-            <a:schemeClr val="dk1"/>
-          </a:lnRef>
-          <a:fillRef idx="0">
-            <a:schemeClr val="dk1"/>
-          </a:fillRef>
-          <a:effectRef idx="1">
-            <a:schemeClr val="dk1"/>
-          </a:effectRef>
-          <a:fontRef idx="minor">
-            <a:schemeClr val="tx1"/>
-          </a:fontRef>
-        </p:style>
-      </p:cxnSp>
-      <p:sp>
-        <p:nvSpPr>
-          <p:cNvPr id="48" name="TextBox 47">
-            <a:extLst>
-              <a:ext uri="{FF2B5EF4-FFF2-40B4-BE49-F238E27FC236}">
-                <a16:creationId xmlns:a16="http://schemas.microsoft.com/office/drawing/2014/main" id="{0EC188EB-E7F0-5C0D-9687-75E6CF136C93}"/>
-              </a:ext>
-            </a:extLst>
-          </p:cNvPr>
-          <p:cNvSpPr txBox="1"/>
-          <p:nvPr/>
-        </p:nvSpPr>
-        <p:spPr>
-          <a:xfrm>
-            <a:off x="5984074" y="2440196"/>
-            <a:ext cx="1080000" cy="360000"/>
-          </a:xfrm>
-          <a:prstGeom prst="rect">
-            <a:avLst/>
-          </a:prstGeom>
-        </p:spPr>
-        <p:style>
-          <a:lnRef idx="2">
-            <a:schemeClr val="dk1"/>
-          </a:lnRef>
-          <a:fillRef idx="1">
-            <a:schemeClr val="lt1"/>
-          </a:fillRef>
-          <a:effectRef idx="0">
-            <a:schemeClr val="dk1"/>
-          </a:effectRef>
-          <a:fontRef idx="minor">
-            <a:schemeClr val="dk1"/>
-          </a:fontRef>
-        </p:style>
-        <p:txBody>
-          <a:bodyPr wrap="square" rtlCol="0" anchor="ctr">
-            <a:spAutoFit/>
-          </a:bodyPr>
-          <a:lstStyle/>
-          <a:p>
-            <a:pPr algn="ctr"/>
-            <a:r>
-              <a:rPr lang="en-US" altLang="ko-KR" sz="1050" b="1" dirty="0" err="1">
-                <a:latin typeface="나눔스퀘어" panose="020B0600000101010101" pitchFamily="50" charset="-127"/>
-                <a:ea typeface="나눔스퀘어" panose="020B0600000101010101" pitchFamily="50" charset="-127"/>
-              </a:rPr>
-              <a:t>imgBoxResult</a:t>
-            </a:r>
-            <a:endParaRPr lang="ko-KR" altLang="en-US" sz="1050" b="1" dirty="0">
-              <a:latin typeface="나눔스퀘어" panose="020B0600000101010101" pitchFamily="50" charset="-127"/>
-              <a:ea typeface="나눔스퀘어" panose="020B0600000101010101" pitchFamily="50" charset="-127"/>
-            </a:endParaRPr>
-          </a:p>
-        </p:txBody>
-      </p:sp>
-      <p:sp>
-        <p:nvSpPr>
-          <p:cNvPr id="49" name="TextBox 48">
-            <a:extLst>
-              <a:ext uri="{FF2B5EF4-FFF2-40B4-BE49-F238E27FC236}">
-                <a16:creationId xmlns:a16="http://schemas.microsoft.com/office/drawing/2014/main" id="{58162F8C-9C6E-EF6A-BECA-0A222CEEDEF9}"/>
-              </a:ext>
-            </a:extLst>
-          </p:cNvPr>
-          <p:cNvSpPr txBox="1"/>
-          <p:nvPr/>
-        </p:nvSpPr>
-        <p:spPr>
-          <a:xfrm>
-            <a:off x="5984074" y="2868138"/>
-            <a:ext cx="1080000" cy="360000"/>
-          </a:xfrm>
-          <a:prstGeom prst="rect">
-            <a:avLst/>
-          </a:prstGeom>
-        </p:spPr>
-        <p:style>
-          <a:lnRef idx="2">
-            <a:schemeClr val="dk1"/>
-          </a:lnRef>
-          <a:fillRef idx="1">
-            <a:schemeClr val="lt1"/>
-          </a:fillRef>
-          <a:effectRef idx="0">
-            <a:schemeClr val="dk1"/>
-          </a:effectRef>
-          <a:fontRef idx="minor">
-            <a:schemeClr val="dk1"/>
-          </a:fontRef>
-        </p:style>
-        <p:txBody>
-          <a:bodyPr wrap="square" rtlCol="0" anchor="ctr">
-            <a:spAutoFit/>
-          </a:bodyPr>
-          <a:lstStyle/>
-          <a:p>
-            <a:pPr algn="ctr"/>
-            <a:r>
-              <a:rPr lang="en-US" altLang="ko-KR" sz="1050" b="1" dirty="0" err="1">
-                <a:latin typeface="나눔스퀘어" panose="020B0600000101010101" pitchFamily="50" charset="-127"/>
-                <a:ea typeface="나눔스퀘어" panose="020B0600000101010101" pitchFamily="50" charset="-127"/>
-              </a:rPr>
-              <a:t>imgBoxResult</a:t>
-            </a:r>
-            <a:endParaRPr lang="ko-KR" altLang="en-US" sz="1050" b="1" dirty="0">
-              <a:latin typeface="나눔스퀘어" panose="020B0600000101010101" pitchFamily="50" charset="-127"/>
-              <a:ea typeface="나눔스퀘어" panose="020B0600000101010101" pitchFamily="50" charset="-127"/>
-            </a:endParaRPr>
-          </a:p>
-        </p:txBody>
-      </p:sp>
-      <p:sp>
-        <p:nvSpPr>
-          <p:cNvPr id="54" name="TextBox 53">
-            <a:extLst>
-              <a:ext uri="{FF2B5EF4-FFF2-40B4-BE49-F238E27FC236}">
-                <a16:creationId xmlns:a16="http://schemas.microsoft.com/office/drawing/2014/main" id="{FF89FB49-F5CD-88E9-513E-965E2E3F8BDF}"/>
-              </a:ext>
-            </a:extLst>
-          </p:cNvPr>
-          <p:cNvSpPr txBox="1"/>
-          <p:nvPr/>
-        </p:nvSpPr>
-        <p:spPr>
-          <a:xfrm>
-            <a:off x="2412466" y="3724002"/>
-            <a:ext cx="1080000" cy="415498"/>
-          </a:xfrm>
-          <a:prstGeom prst="rect">
-            <a:avLst/>
-          </a:prstGeom>
-        </p:spPr>
-        <p:style>
-          <a:lnRef idx="2">
-            <a:schemeClr val="dk1"/>
-          </a:lnRef>
-          <a:fillRef idx="1">
-            <a:schemeClr val="lt1"/>
-          </a:fillRef>
-          <a:effectRef idx="0">
-            <a:schemeClr val="dk1"/>
-          </a:effectRef>
-          <a:fontRef idx="minor">
-            <a:schemeClr val="dk1"/>
-          </a:fontRef>
-        </p:style>
-        <p:txBody>
-          <a:bodyPr wrap="square" rtlCol="0" anchor="ctr">
-            <a:spAutoFit/>
-          </a:bodyPr>
-          <a:lstStyle/>
-          <a:p>
-            <a:pPr algn="ctr"/>
-            <a:r>
-              <a:rPr lang="en-US" altLang="ko-KR" sz="1050" b="1">
-                <a:latin typeface="나눔스퀘어" panose="020B0600000101010101" pitchFamily="50" charset="-127"/>
-                <a:ea typeface="나눔스퀘어" panose="020B0600000101010101" pitchFamily="50" charset="-127"/>
-              </a:rPr>
-              <a:t>imgBoxOriginal</a:t>
-            </a:r>
-            <a:endParaRPr lang="ko-KR" altLang="en-US" sz="1050" b="1" dirty="0">
-              <a:latin typeface="나눔스퀘어" panose="020B0600000101010101" pitchFamily="50" charset="-127"/>
-              <a:ea typeface="나눔스퀘어" panose="020B0600000101010101" pitchFamily="50" charset="-127"/>
-            </a:endParaRPr>
+            <a:endParaRPr lang="ko-KR" altLang="en-US"/>
           </a:p>
         </p:txBody>
       </p:sp>

--- a/wpfEx01/wpfEx01/result_v1.5_250917/result_v1.5_250917.pptx
+++ b/wpfEx01/wpfEx01/result_v1.5_250917/result_v1.5_250917.pptx
@@ -5,11 +5,12 @@
     <p:sldMasterId id="2147483648" r:id="rId1"/>
   </p:sldMasterIdLst>
   <p:notesMasterIdLst>
-    <p:notesMasterId r:id="rId4"/>
+    <p:notesMasterId r:id="rId5"/>
   </p:notesMasterIdLst>
   <p:sldIdLst>
-    <p:sldId id="265" r:id="rId2"/>
-    <p:sldId id="263" r:id="rId3"/>
+    <p:sldId id="263" r:id="rId2"/>
+    <p:sldId id="266" r:id="rId3"/>
+    <p:sldId id="268" r:id="rId4"/>
   </p:sldIdLst>
   <p:sldSz cx="12192000" cy="6858000"/>
   <p:notesSz cx="6858000" cy="9144000"/>
@@ -3744,164 +3745,6 @@
           <p:cNvPr id="2" name="제목 1">
             <a:extLst>
               <a:ext uri="{FF2B5EF4-FFF2-40B4-BE49-F238E27FC236}">
-                <a16:creationId xmlns:a16="http://schemas.microsoft.com/office/drawing/2014/main" id="{6B48ED15-704D-F7CF-FCF3-DF90B34AC0E0}"/>
-              </a:ext>
-            </a:extLst>
-          </p:cNvPr>
-          <p:cNvSpPr>
-            <a:spLocks noGrp="1"/>
-          </p:cNvSpPr>
-          <p:nvPr>
-            <p:ph type="ctrTitle"/>
-          </p:nvPr>
-        </p:nvSpPr>
-        <p:spPr/>
-        <p:txBody>
-          <a:bodyPr anchor="b"/>
-          <a:lstStyle/>
-          <a:p>
-            <a:r>
-              <a:rPr lang="en-US" altLang="ko-KR" dirty="0"/>
-              <a:t>wpfEx01</a:t>
-            </a:r>
-            <a:endParaRPr lang="ko-KR" altLang="en-US" dirty="0">
-              <a:latin typeface="나눔스퀘어 ExtraBold" panose="020B0600000101010101" pitchFamily="50" charset="-127"/>
-              <a:ea typeface="나눔스퀘어 ExtraBold" panose="020B0600000101010101" pitchFamily="50" charset="-127"/>
-            </a:endParaRPr>
-          </a:p>
-        </p:txBody>
-      </p:sp>
-      <p:sp>
-        <p:nvSpPr>
-          <p:cNvPr id="3" name="부제목 2">
-            <a:extLst>
-              <a:ext uri="{FF2B5EF4-FFF2-40B4-BE49-F238E27FC236}">
-                <a16:creationId xmlns:a16="http://schemas.microsoft.com/office/drawing/2014/main" id="{31292F69-98AF-397A-D6A9-62AC4B0C3F7F}"/>
-              </a:ext>
-            </a:extLst>
-          </p:cNvPr>
-          <p:cNvSpPr>
-            <a:spLocks noGrp="1"/>
-          </p:cNvSpPr>
-          <p:nvPr>
-            <p:ph type="subTitle" idx="1"/>
-          </p:nvPr>
-        </p:nvSpPr>
-        <p:spPr/>
-        <p:txBody>
-          <a:bodyPr/>
-          <a:lstStyle/>
-          <a:p>
-            <a:r>
-              <a:rPr lang="ko-KR" altLang="en-US" dirty="0">
-                <a:latin typeface="나눔스퀘어" panose="020B0600000101010101" pitchFamily="50" charset="-127"/>
-                <a:ea typeface="나눔스퀘어" panose="020B0600000101010101" pitchFamily="50" charset="-127"/>
-              </a:rPr>
-              <a:t>오현화</a:t>
-            </a:r>
-            <a:endParaRPr lang="en-US" altLang="ko-KR" dirty="0">
-              <a:latin typeface="나눔스퀘어" panose="020B0600000101010101" pitchFamily="50" charset="-127"/>
-              <a:ea typeface="나눔스퀘어" panose="020B0600000101010101" pitchFamily="50" charset="-127"/>
-            </a:endParaRPr>
-          </a:p>
-          <a:p>
-            <a:pPr algn="l"/>
-            <a:endParaRPr lang="en-US" altLang="ko-KR" dirty="0">
-              <a:latin typeface="나눔스퀘어" panose="020B0600000101010101" pitchFamily="50" charset="-127"/>
-              <a:ea typeface="나눔스퀘어" panose="020B0600000101010101" pitchFamily="50" charset="-127"/>
-            </a:endParaRPr>
-          </a:p>
-          <a:p>
-            <a:pPr algn="l"/>
-            <a:r>
-              <a:rPr lang="ko-KR" altLang="en-US" dirty="0">
-                <a:latin typeface="나눔스퀘어" panose="020B0600000101010101" pitchFamily="50" charset="-127"/>
-                <a:ea typeface="나눔스퀘어" panose="020B0600000101010101" pitchFamily="50" charset="-127"/>
-              </a:rPr>
-              <a:t>목적</a:t>
-            </a:r>
-            <a:r>
-              <a:rPr lang="en-US" altLang="ko-KR" dirty="0"/>
-              <a:t>: </a:t>
-            </a:r>
-            <a:r>
-              <a:rPr lang="ko-KR" altLang="en-US" dirty="0"/>
-              <a:t>영상 처리 스터디</a:t>
-            </a:r>
-            <a:endParaRPr lang="en-US" altLang="ko-KR" dirty="0">
-              <a:latin typeface="나눔스퀘어" panose="020B0600000101010101" pitchFamily="50" charset="-127"/>
-              <a:ea typeface="나눔스퀘어" panose="020B0600000101010101" pitchFamily="50" charset="-127"/>
-            </a:endParaRPr>
-          </a:p>
-          <a:p>
-            <a:pPr algn="l"/>
-            <a:r>
-              <a:rPr lang="ko-KR" altLang="en-US" dirty="0">
-                <a:latin typeface="나눔스퀘어" panose="020B0600000101010101" pitchFamily="50" charset="-127"/>
-                <a:ea typeface="나눔스퀘어" panose="020B0600000101010101" pitchFamily="50" charset="-127"/>
-              </a:rPr>
-              <a:t>시작</a:t>
-            </a:r>
-            <a:r>
-              <a:rPr lang="en-US" altLang="ko-KR" dirty="0">
-                <a:latin typeface="나눔스퀘어" panose="020B0600000101010101" pitchFamily="50" charset="-127"/>
-                <a:ea typeface="나눔스퀘어" panose="020B0600000101010101" pitchFamily="50" charset="-127"/>
-              </a:rPr>
-              <a:t>: 2025.09.08</a:t>
-            </a:r>
-          </a:p>
-          <a:p>
-            <a:pPr algn="l"/>
-            <a:r>
-              <a:rPr lang="ko-KR" altLang="en-US" dirty="0"/>
-              <a:t>종료</a:t>
-            </a:r>
-            <a:r>
-              <a:rPr lang="en-US" altLang="ko-KR" dirty="0"/>
-              <a:t>: 2025.09.</a:t>
-            </a:r>
-            <a:endParaRPr lang="ko-KR" altLang="en-US" dirty="0">
-              <a:latin typeface="나눔스퀘어" panose="020B0600000101010101" pitchFamily="50" charset="-127"/>
-              <a:ea typeface="나눔스퀘어" panose="020B0600000101010101" pitchFamily="50" charset="-127"/>
-            </a:endParaRPr>
-          </a:p>
-        </p:txBody>
-      </p:sp>
-    </p:spTree>
-    <p:extLst>
-      <p:ext uri="{BB962C8B-B14F-4D97-AF65-F5344CB8AC3E}">
-        <p14:creationId xmlns:p14="http://schemas.microsoft.com/office/powerpoint/2010/main" val="2050497341"/>
-      </p:ext>
-    </p:extLst>
-  </p:cSld>
-  <p:clrMapOvr>
-    <a:masterClrMapping/>
-  </p:clrMapOvr>
-</p:sld>
-</file>
-
-<file path=ppt/slides/slide2.xml><?xml version="1.0" encoding="utf-8"?>
-<p:sld xmlns:a="http://schemas.openxmlformats.org/drawingml/2006/main" xmlns:r="http://schemas.openxmlformats.org/officeDocument/2006/relationships" xmlns:p="http://schemas.openxmlformats.org/presentationml/2006/main">
-  <p:cSld>
-    <p:spTree>
-      <p:nvGrpSpPr>
-        <p:cNvPr id="1" name=""/>
-        <p:cNvGrpSpPr/>
-        <p:nvPr/>
-      </p:nvGrpSpPr>
-      <p:grpSpPr>
-        <a:xfrm>
-          <a:off x="0" y="0"/>
-          <a:ext cx="0" cy="0"/>
-          <a:chOff x="0" y="0"/>
-          <a:chExt cx="0" cy="0"/>
-        </a:xfrm>
-      </p:grpSpPr>
-      <p:sp>
-        <p:nvSpPr>
-          <p:cNvPr id="2" name="제목 1">
-            <a:extLst>
-              <a:ext uri="{FF2B5EF4-FFF2-40B4-BE49-F238E27FC236}">
                 <a16:creationId xmlns:a16="http://schemas.microsoft.com/office/drawing/2014/main" id="{61CD6D18-072E-5A76-097A-1AA4E2217405}"/>
               </a:ext>
             </a:extLst>
@@ -3924,12 +3767,8 @@
           <a:lstStyle/>
           <a:p>
             <a:r>
-              <a:rPr lang="ko-KR" altLang="en-US" dirty="0"/>
-              <a:t>원본 영상의 히스토그램 기반 </a:t>
-            </a:r>
-            <a:r>
               <a:rPr lang="en-US" altLang="ko-KR" dirty="0"/>
-              <a:t>LUT Curve</a:t>
+              <a:t>Linear LUT</a:t>
             </a:r>
             <a:endParaRPr lang="ko-KR" altLang="en-US" dirty="0"/>
           </a:p>
@@ -3966,10 +3805,10 @@
       </p:sp>
       <p:pic>
         <p:nvPicPr>
-          <p:cNvPr id="63" name="그림 62" descr="텍스트, 스크린샷이(가) 표시된 사진&#10;&#10;AI 생성 콘텐츠는 정확하지 않을 수 있습니다.">
-            <a:extLst>
-              <a:ext uri="{FF2B5EF4-FFF2-40B4-BE49-F238E27FC236}">
-                <a16:creationId xmlns:a16="http://schemas.microsoft.com/office/drawing/2014/main" id="{28B84AAF-877E-B8A6-4659-ACC0C7CCBD81}"/>
+          <p:cNvPr id="70" name="그림 69">
+            <a:extLst>
+              <a:ext uri="{FF2B5EF4-FFF2-40B4-BE49-F238E27FC236}">
+                <a16:creationId xmlns:a16="http://schemas.microsoft.com/office/drawing/2014/main" id="{CE8FFB41-7419-018D-952B-6D8B81F97446}"/>
               </a:ext>
             </a:extLst>
           </p:cNvPr>
@@ -3979,79 +3818,37 @@
           <p:nvPr/>
         </p:nvPicPr>
         <p:blipFill>
-          <a:blip r:embed="rId2">
-            <a:extLst>
-              <a:ext uri="{28A0092B-C50C-407E-A947-70E740481C1C}">
-                <a14:useLocalDpi xmlns:a14="http://schemas.microsoft.com/office/drawing/2010/main" val="0"/>
-              </a:ext>
-            </a:extLst>
-          </a:blip>
+          <a:blip r:embed="rId2"/>
           <a:stretch>
             <a:fillRect/>
           </a:stretch>
         </p:blipFill>
         <p:spPr>
           <a:xfrm>
-            <a:off x="838200" y="1555916"/>
-            <a:ext cx="6108899" cy="4513797"/>
+            <a:off x="938133" y="1458316"/>
+            <a:ext cx="5872996" cy="4343514"/>
           </a:xfrm>
           <a:prstGeom prst="rect">
             <a:avLst/>
           </a:prstGeom>
         </p:spPr>
       </p:pic>
-      <p:pic>
-        <p:nvPicPr>
-          <p:cNvPr id="65" name="그림 64" descr="스크린샷, 컴퓨터, 소프트웨어, 멀티미디어 소프트웨어이(가) 표시된 사진&#10;&#10;AI 생성 콘텐츠는 정확하지 않을 수 있습니다.">
-            <a:extLst>
-              <a:ext uri="{FF2B5EF4-FFF2-40B4-BE49-F238E27FC236}">
-                <a16:creationId xmlns:a16="http://schemas.microsoft.com/office/drawing/2014/main" id="{92905ACC-D078-C0F0-4921-8B24B79F8A3E}"/>
-              </a:ext>
-            </a:extLst>
-          </p:cNvPr>
-          <p:cNvPicPr>
-            <a:picLocks noChangeAspect="1"/>
-          </p:cNvPicPr>
+      <p:sp>
+        <p:nvSpPr>
+          <p:cNvPr id="71" name="직사각형 70">
+            <a:extLst>
+              <a:ext uri="{FF2B5EF4-FFF2-40B4-BE49-F238E27FC236}">
+                <a16:creationId xmlns:a16="http://schemas.microsoft.com/office/drawing/2014/main" id="{1E70FE0C-CE07-9AA9-C8DD-9BC2EC5262FB}"/>
+              </a:ext>
+            </a:extLst>
+          </p:cNvPr>
+          <p:cNvSpPr/>
           <p:nvPr/>
-        </p:nvPicPr>
-        <p:blipFill>
-          <a:blip r:embed="rId3">
-            <a:extLst>
-              <a:ext uri="{28A0092B-C50C-407E-A947-70E740481C1C}">
-                <a14:useLocalDpi xmlns:a14="http://schemas.microsoft.com/office/drawing/2010/main" val="0"/>
-              </a:ext>
-            </a:extLst>
-          </a:blip>
-          <a:stretch>
-            <a:fillRect/>
-          </a:stretch>
-        </p:blipFill>
+        </p:nvSpPr>
         <p:spPr>
           <a:xfrm>
-            <a:off x="7513913" y="1981568"/>
-            <a:ext cx="3839887" cy="3381505"/>
-          </a:xfrm>
-          <a:prstGeom prst="rect">
-            <a:avLst/>
-          </a:prstGeom>
-        </p:spPr>
-      </p:pic>
-      <p:sp>
-        <p:nvSpPr>
-          <p:cNvPr id="66" name="직사각형 65">
-            <a:extLst>
-              <a:ext uri="{FF2B5EF4-FFF2-40B4-BE49-F238E27FC236}">
-                <a16:creationId xmlns:a16="http://schemas.microsoft.com/office/drawing/2014/main" id="{79473AD8-8AEA-43A6-9B18-D4ABCC029E9B}"/>
-              </a:ext>
-            </a:extLst>
-          </p:cNvPr>
-          <p:cNvSpPr/>
-          <p:nvPr/>
-        </p:nvSpPr>
-        <p:spPr>
-          <a:xfrm>
-            <a:off x="1216008" y="3590576"/>
-            <a:ext cx="1867100" cy="1445805"/>
+            <a:off x="5799043" y="3967843"/>
+            <a:ext cx="856951" cy="185057"/>
           </a:xfrm>
           <a:prstGeom prst="rect">
             <a:avLst/>
@@ -4092,6 +3889,378 @@
     <p:extLst>
       <p:ext uri="{BB962C8B-B14F-4D97-AF65-F5344CB8AC3E}">
         <p14:creationId xmlns:p14="http://schemas.microsoft.com/office/powerpoint/2010/main" val="2788777126"/>
+      </p:ext>
+    </p:extLst>
+  </p:cSld>
+  <p:clrMapOvr>
+    <a:masterClrMapping/>
+  </p:clrMapOvr>
+</p:sld>
+</file>
+
+<file path=ppt/slides/slide2.xml><?xml version="1.0" encoding="utf-8"?>
+<p:sld xmlns:a="http://schemas.openxmlformats.org/drawingml/2006/main" xmlns:r="http://schemas.openxmlformats.org/officeDocument/2006/relationships" xmlns:p="http://schemas.openxmlformats.org/presentationml/2006/main">
+  <p:cSld>
+    <p:spTree>
+      <p:nvGrpSpPr>
+        <p:cNvPr id="1" name="">
+          <a:extLst>
+            <a:ext uri="{FF2B5EF4-FFF2-40B4-BE49-F238E27FC236}">
+              <a16:creationId xmlns:a16="http://schemas.microsoft.com/office/drawing/2014/main" id="{B7938358-57EF-7AAE-F0E6-CA7A5ACD2083}"/>
+            </a:ext>
+          </a:extLst>
+        </p:cNvPr>
+        <p:cNvGrpSpPr/>
+        <p:nvPr/>
+      </p:nvGrpSpPr>
+      <p:grpSpPr>
+        <a:xfrm>
+          <a:off x="0" y="0"/>
+          <a:ext cx="0" cy="0"/>
+          <a:chOff x="0" y="0"/>
+          <a:chExt cx="0" cy="0"/>
+        </a:xfrm>
+      </p:grpSpPr>
+      <p:sp>
+        <p:nvSpPr>
+          <p:cNvPr id="2" name="제목 1">
+            <a:extLst>
+              <a:ext uri="{FF2B5EF4-FFF2-40B4-BE49-F238E27FC236}">
+                <a16:creationId xmlns:a16="http://schemas.microsoft.com/office/drawing/2014/main" id="{E5441CDD-1014-2E77-2EEF-856DE7961A28}"/>
+              </a:ext>
+            </a:extLst>
+          </p:cNvPr>
+          <p:cNvSpPr>
+            <a:spLocks noGrp="1"/>
+          </p:cNvSpPr>
+          <p:nvPr>
+            <p:ph type="title"/>
+          </p:nvPr>
+        </p:nvSpPr>
+        <p:spPr>
+          <a:xfrm>
+            <a:off x="838200" y="365126"/>
+            <a:ext cx="10515600" cy="623166"/>
+          </a:xfrm>
+        </p:spPr>
+        <p:txBody>
+          <a:bodyPr/>
+          <a:lstStyle/>
+          <a:p>
+            <a:r>
+              <a:rPr lang="en-US" altLang="ko-KR" dirty="0"/>
+              <a:t>Non-Linear LUT</a:t>
+            </a:r>
+            <a:endParaRPr lang="ko-KR" altLang="en-US" dirty="0"/>
+          </a:p>
+        </p:txBody>
+      </p:sp>
+      <p:sp>
+        <p:nvSpPr>
+          <p:cNvPr id="12" name="슬라이드 번호 개체 틀 11">
+            <a:extLst>
+              <a:ext uri="{FF2B5EF4-FFF2-40B4-BE49-F238E27FC236}">
+                <a16:creationId xmlns:a16="http://schemas.microsoft.com/office/drawing/2014/main" id="{38637AF1-DB2C-1E75-007A-E644620D951D}"/>
+              </a:ext>
+            </a:extLst>
+          </p:cNvPr>
+          <p:cNvSpPr>
+            <a:spLocks noGrp="1"/>
+          </p:cNvSpPr>
+          <p:nvPr>
+            <p:ph type="sldNum" sz="quarter" idx="12"/>
+          </p:nvPr>
+        </p:nvSpPr>
+        <p:spPr/>
+        <p:txBody>
+          <a:bodyPr/>
+          <a:lstStyle/>
+          <a:p>
+            <a:r>
+              <a:rPr lang="en-US" altLang="ko-KR" dirty="0"/>
+              <a:t>1</a:t>
+            </a:r>
+            <a:endParaRPr lang="ko-KR" altLang="en-US" dirty="0"/>
+          </a:p>
+        </p:txBody>
+      </p:sp>
+      <p:pic>
+        <p:nvPicPr>
+          <p:cNvPr id="70" name="그림 69">
+            <a:extLst>
+              <a:ext uri="{FF2B5EF4-FFF2-40B4-BE49-F238E27FC236}">
+                <a16:creationId xmlns:a16="http://schemas.microsoft.com/office/drawing/2014/main" id="{5A6DC293-54AF-4DE0-D0C1-087CBCD06F39}"/>
+              </a:ext>
+            </a:extLst>
+          </p:cNvPr>
+          <p:cNvPicPr>
+            <a:picLocks noChangeAspect="1"/>
+          </p:cNvPicPr>
+          <p:nvPr/>
+        </p:nvPicPr>
+        <p:blipFill>
+          <a:blip r:embed="rId2">
+            <a:extLst>
+              <a:ext uri="{28A0092B-C50C-407E-A947-70E740481C1C}">
+                <a14:useLocalDpi xmlns:a14="http://schemas.microsoft.com/office/drawing/2010/main" val="0"/>
+              </a:ext>
+            </a:extLst>
+          </a:blip>
+          <a:srcRect/>
+          <a:stretch/>
+        </p:blipFill>
+        <p:spPr>
+          <a:xfrm>
+            <a:off x="938133" y="1460327"/>
+            <a:ext cx="5872996" cy="4339491"/>
+          </a:xfrm>
+          <a:prstGeom prst="rect">
+            <a:avLst/>
+          </a:prstGeom>
+        </p:spPr>
+      </p:pic>
+      <p:sp>
+        <p:nvSpPr>
+          <p:cNvPr id="3" name="직사각형 2">
+            <a:extLst>
+              <a:ext uri="{FF2B5EF4-FFF2-40B4-BE49-F238E27FC236}">
+                <a16:creationId xmlns:a16="http://schemas.microsoft.com/office/drawing/2014/main" id="{97DEC8CF-F187-E163-B4C2-FFD55A6E0065}"/>
+              </a:ext>
+            </a:extLst>
+          </p:cNvPr>
+          <p:cNvSpPr/>
+          <p:nvPr/>
+        </p:nvSpPr>
+        <p:spPr>
+          <a:xfrm>
+            <a:off x="5803126" y="4184197"/>
+            <a:ext cx="856951" cy="185057"/>
+          </a:xfrm>
+          <a:prstGeom prst="rect">
+            <a:avLst/>
+          </a:prstGeom>
+          <a:noFill/>
+          <a:ln w="28575">
+            <a:solidFill>
+              <a:srgbClr val="FF0000"/>
+            </a:solidFill>
+          </a:ln>
+        </p:spPr>
+        <p:style>
+          <a:lnRef idx="2">
+            <a:schemeClr val="accent1">
+              <a:shade val="15000"/>
+            </a:schemeClr>
+          </a:lnRef>
+          <a:fillRef idx="1">
+            <a:schemeClr val="accent1"/>
+          </a:fillRef>
+          <a:effectRef idx="0">
+            <a:schemeClr val="accent1"/>
+          </a:effectRef>
+          <a:fontRef idx="minor">
+            <a:schemeClr val="lt1"/>
+          </a:fontRef>
+        </p:style>
+        <p:txBody>
+          <a:bodyPr rtlCol="0" anchor="ctr"/>
+          <a:lstStyle/>
+          <a:p>
+            <a:pPr algn="ctr"/>
+            <a:endParaRPr lang="ko-KR" altLang="en-US"/>
+          </a:p>
+        </p:txBody>
+      </p:sp>
+    </p:spTree>
+    <p:extLst>
+      <p:ext uri="{BB962C8B-B14F-4D97-AF65-F5344CB8AC3E}">
+        <p14:creationId xmlns:p14="http://schemas.microsoft.com/office/powerpoint/2010/main" val="3897446556"/>
+      </p:ext>
+    </p:extLst>
+  </p:cSld>
+  <p:clrMapOvr>
+    <a:masterClrMapping/>
+  </p:clrMapOvr>
+</p:sld>
+</file>
+
+<file path=ppt/slides/slide3.xml><?xml version="1.0" encoding="utf-8"?>
+<p:sld xmlns:a="http://schemas.openxmlformats.org/drawingml/2006/main" xmlns:r="http://schemas.openxmlformats.org/officeDocument/2006/relationships" xmlns:p="http://schemas.openxmlformats.org/presentationml/2006/main">
+  <p:cSld>
+    <p:spTree>
+      <p:nvGrpSpPr>
+        <p:cNvPr id="1" name="">
+          <a:extLst>
+            <a:ext uri="{FF2B5EF4-FFF2-40B4-BE49-F238E27FC236}">
+              <a16:creationId xmlns:a16="http://schemas.microsoft.com/office/drawing/2014/main" id="{5D502D3F-14E1-A472-DE47-05E8F2AC26D0}"/>
+            </a:ext>
+          </a:extLst>
+        </p:cNvPr>
+        <p:cNvGrpSpPr/>
+        <p:nvPr/>
+      </p:nvGrpSpPr>
+      <p:grpSpPr>
+        <a:xfrm>
+          <a:off x="0" y="0"/>
+          <a:ext cx="0" cy="0"/>
+          <a:chOff x="0" y="0"/>
+          <a:chExt cx="0" cy="0"/>
+        </a:xfrm>
+      </p:grpSpPr>
+      <p:sp>
+        <p:nvSpPr>
+          <p:cNvPr id="2" name="제목 1">
+            <a:extLst>
+              <a:ext uri="{FF2B5EF4-FFF2-40B4-BE49-F238E27FC236}">
+                <a16:creationId xmlns:a16="http://schemas.microsoft.com/office/drawing/2014/main" id="{339A924F-A4AC-AA0D-33B8-79A4EAE13B16}"/>
+              </a:ext>
+            </a:extLst>
+          </p:cNvPr>
+          <p:cNvSpPr>
+            <a:spLocks noGrp="1"/>
+          </p:cNvSpPr>
+          <p:nvPr>
+            <p:ph type="title"/>
+          </p:nvPr>
+        </p:nvSpPr>
+        <p:spPr>
+          <a:xfrm>
+            <a:off x="838200" y="365126"/>
+            <a:ext cx="10515600" cy="623166"/>
+          </a:xfrm>
+        </p:spPr>
+        <p:txBody>
+          <a:bodyPr/>
+          <a:lstStyle/>
+          <a:p>
+            <a:r>
+              <a:rPr lang="en-US" altLang="ko-KR" dirty="0"/>
+              <a:t>Histogram Equalization LUT</a:t>
+            </a:r>
+            <a:endParaRPr lang="ko-KR" altLang="en-US" dirty="0"/>
+          </a:p>
+        </p:txBody>
+      </p:sp>
+      <p:sp>
+        <p:nvSpPr>
+          <p:cNvPr id="12" name="슬라이드 번호 개체 틀 11">
+            <a:extLst>
+              <a:ext uri="{FF2B5EF4-FFF2-40B4-BE49-F238E27FC236}">
+                <a16:creationId xmlns:a16="http://schemas.microsoft.com/office/drawing/2014/main" id="{2F4D32CA-CDCD-09F9-A32A-02878CD91957}"/>
+              </a:ext>
+            </a:extLst>
+          </p:cNvPr>
+          <p:cNvSpPr>
+            <a:spLocks noGrp="1"/>
+          </p:cNvSpPr>
+          <p:nvPr>
+            <p:ph type="sldNum" sz="quarter" idx="12"/>
+          </p:nvPr>
+        </p:nvSpPr>
+        <p:spPr/>
+        <p:txBody>
+          <a:bodyPr/>
+          <a:lstStyle/>
+          <a:p>
+            <a:r>
+              <a:rPr lang="en-US" altLang="ko-KR" dirty="0"/>
+              <a:t>1</a:t>
+            </a:r>
+            <a:endParaRPr lang="ko-KR" altLang="en-US" dirty="0"/>
+          </a:p>
+        </p:txBody>
+      </p:sp>
+      <p:pic>
+        <p:nvPicPr>
+          <p:cNvPr id="70" name="그림 69">
+            <a:extLst>
+              <a:ext uri="{FF2B5EF4-FFF2-40B4-BE49-F238E27FC236}">
+                <a16:creationId xmlns:a16="http://schemas.microsoft.com/office/drawing/2014/main" id="{353C39A6-C4E2-DB77-502E-D901EE661C0E}"/>
+              </a:ext>
+            </a:extLst>
+          </p:cNvPr>
+          <p:cNvPicPr>
+            <a:picLocks noChangeAspect="1"/>
+          </p:cNvPicPr>
+          <p:nvPr/>
+        </p:nvPicPr>
+        <p:blipFill>
+          <a:blip r:embed="rId2">
+            <a:extLst>
+              <a:ext uri="{28A0092B-C50C-407E-A947-70E740481C1C}">
+                <a14:useLocalDpi xmlns:a14="http://schemas.microsoft.com/office/drawing/2010/main" val="0"/>
+              </a:ext>
+            </a:extLst>
+          </a:blip>
+          <a:srcRect/>
+          <a:stretch/>
+        </p:blipFill>
+        <p:spPr>
+          <a:xfrm>
+            <a:off x="938133" y="1460327"/>
+            <a:ext cx="5872995" cy="4339491"/>
+          </a:xfrm>
+          <a:prstGeom prst="rect">
+            <a:avLst/>
+          </a:prstGeom>
+        </p:spPr>
+      </p:pic>
+      <p:sp>
+        <p:nvSpPr>
+          <p:cNvPr id="3" name="직사각형 2">
+            <a:extLst>
+              <a:ext uri="{FF2B5EF4-FFF2-40B4-BE49-F238E27FC236}">
+                <a16:creationId xmlns:a16="http://schemas.microsoft.com/office/drawing/2014/main" id="{9BA55590-F996-8C65-EF17-2422434065B9}"/>
+              </a:ext>
+            </a:extLst>
+          </p:cNvPr>
+          <p:cNvSpPr/>
+          <p:nvPr/>
+        </p:nvSpPr>
+        <p:spPr>
+          <a:xfrm>
+            <a:off x="5809929" y="4400551"/>
+            <a:ext cx="856951" cy="185057"/>
+          </a:xfrm>
+          <a:prstGeom prst="rect">
+            <a:avLst/>
+          </a:prstGeom>
+          <a:noFill/>
+          <a:ln w="28575">
+            <a:solidFill>
+              <a:srgbClr val="FF0000"/>
+            </a:solidFill>
+          </a:ln>
+        </p:spPr>
+        <p:style>
+          <a:lnRef idx="2">
+            <a:schemeClr val="accent1">
+              <a:shade val="15000"/>
+            </a:schemeClr>
+          </a:lnRef>
+          <a:fillRef idx="1">
+            <a:schemeClr val="accent1"/>
+          </a:fillRef>
+          <a:effectRef idx="0">
+            <a:schemeClr val="accent1"/>
+          </a:effectRef>
+          <a:fontRef idx="minor">
+            <a:schemeClr val="lt1"/>
+          </a:fontRef>
+        </p:style>
+        <p:txBody>
+          <a:bodyPr rtlCol="0" anchor="ctr"/>
+          <a:lstStyle/>
+          <a:p>
+            <a:pPr algn="ctr"/>
+            <a:endParaRPr lang="ko-KR" altLang="en-US"/>
+          </a:p>
+        </p:txBody>
+      </p:sp>
+    </p:spTree>
+    <p:extLst>
+      <p:ext uri="{BB962C8B-B14F-4D97-AF65-F5344CB8AC3E}">
+        <p14:creationId xmlns:p14="http://schemas.microsoft.com/office/powerpoint/2010/main" val="3809544634"/>
       </p:ext>
     </p:extLst>
   </p:cSld>
